--- a/1_Präsentationen/Prototype Design Pattern/Prototype Design Pattern.pptx
+++ b/1_Präsentationen/Prototype Design Pattern/Prototype Design Pattern.pptx
@@ -8013,7 +8013,7 @@
           </a:bodyPr>
           <a:lstStyle/>
           <a:p>
-            <a:pPr indent="-311150" lvl="0" marL="457200" rtl="0" algn="l">
+            <a:pPr indent="-317500" lvl="0" marL="457200" rtl="0" algn="l">
               <a:spcBef>
                 <a:spcPts val="0"/>
               </a:spcBef>
@@ -8023,11 +8023,11 @@
               <a:buClr>
                 <a:srgbClr val="000000"/>
               </a:buClr>
-              <a:buSzPts val="1300"/>
+              <a:buSzPts val="1400"/>
               <a:buChar char="➔"/>
             </a:pPr>
             <a:r>
-              <a:rPr lang="de">
+              <a:rPr lang="de" sz="1400">
                 <a:solidFill>
                   <a:srgbClr val="000000"/>
                 </a:solidFill>
@@ -8035,54 +8035,35 @@
               <a:t>es gehört zu den </a:t>
             </a:r>
             <a:r>
-              <a:rPr b="1" lang="de">
+              <a:rPr b="1" lang="de" sz="1400">
                 <a:solidFill>
                   <a:srgbClr val="000000"/>
                 </a:solidFill>
               </a:rPr>
               <a:t>Erzeugungsmustern (Creational Patterns)</a:t>
             </a:r>
-            <a:endParaRPr b="1">
+            <a:endParaRPr b="1" sz="1400">
               <a:solidFill>
                 <a:srgbClr val="000000"/>
               </a:solidFill>
             </a:endParaRPr>
           </a:p>
           <a:p>
-            <a:pPr indent="0" lvl="0" marL="0" rtl="0" algn="l">
-              <a:spcBef>
-                <a:spcPts val="1600"/>
-              </a:spcBef>
-              <a:spcAft>
-                <a:spcPts val="0"/>
-              </a:spcAft>
-              <a:buNone/>
-            </a:pPr>
-            <a:r>
-              <a:t/>
-            </a:r>
-            <a:endParaRPr>
-              <a:solidFill>
+            <a:pPr indent="-317500" lvl="0" marL="457200" rtl="0" algn="l">
+              <a:spcBef>
+                <a:spcPts val="0"/>
+              </a:spcBef>
+              <a:spcAft>
+                <a:spcPts val="0"/>
+              </a:spcAft>
+              <a:buClr>
                 <a:srgbClr val="000000"/>
-              </a:solidFill>
-            </a:endParaRPr>
-          </a:p>
-          <a:p>
-            <a:pPr indent="-311150" lvl="0" marL="457200" rtl="0" algn="l">
-              <a:spcBef>
-                <a:spcPts val="1600"/>
-              </a:spcBef>
-              <a:spcAft>
-                <a:spcPts val="0"/>
-              </a:spcAft>
-              <a:buClr>
-                <a:srgbClr val="000000"/>
-              </a:buClr>
-              <a:buSzPts val="1300"/>
+              </a:buClr>
+              <a:buSzPts val="1400"/>
               <a:buChar char="➔"/>
             </a:pPr>
             <a:r>
-              <a:rPr lang="de">
+              <a:rPr lang="de" sz="1400">
                 <a:solidFill>
                   <a:srgbClr val="000000"/>
                 </a:solidFill>
@@ -8090,7 +8071,7 @@
               <a:t>Erzeugen von </a:t>
             </a:r>
             <a:r>
-              <a:rPr b="1" lang="de">
+              <a:rPr b="1" lang="de" sz="1400">
                 <a:solidFill>
                   <a:srgbClr val="000000"/>
                 </a:solidFill>
@@ -8098,7 +8079,7 @@
               <a:t>neuen Objekten</a:t>
             </a:r>
             <a:r>
-              <a:rPr lang="de">
+              <a:rPr lang="de" sz="1400">
                 <a:solidFill>
                   <a:srgbClr val="000000"/>
                 </a:solidFill>
@@ -8106,7 +8087,7 @@
               <a:t>/Instanzen indem </a:t>
             </a:r>
             <a:r>
-              <a:rPr b="1" lang="de">
+              <a:rPr b="1" lang="de" sz="1400">
                 <a:solidFill>
                   <a:srgbClr val="000000"/>
                 </a:solidFill>
@@ -8114,7 +8095,7 @@
               <a:t>andere Objekte geklont</a:t>
             </a:r>
             <a:r>
-              <a:rPr lang="de">
+              <a:rPr lang="de" sz="1400">
                 <a:solidFill>
                   <a:srgbClr val="000000"/>
                 </a:solidFill>
@@ -8128,28 +8109,37 @@
             </a:endParaRPr>
           </a:p>
           <a:p>
-            <a:pPr indent="0" lvl="0" marL="457200" rtl="0" algn="l">
-              <a:spcBef>
-                <a:spcPts val="1600"/>
-              </a:spcBef>
-              <a:spcAft>
-                <a:spcPts val="0"/>
-              </a:spcAft>
-              <a:buNone/>
+            <a:pPr indent="-317500" lvl="0" marL="457200" rtl="0" algn="l">
+              <a:spcBef>
+                <a:spcPts val="0"/>
+              </a:spcBef>
+              <a:spcAft>
+                <a:spcPts val="0"/>
+              </a:spcAft>
+              <a:buClr>
+                <a:srgbClr val="000000"/>
+              </a:buClr>
+              <a:buSzPts val="1400"/>
+              <a:buChar char="➔"/>
             </a:pPr>
             <a:r>
-              <a:t/>
+              <a:rPr b="1" lang="de" sz="1400">
+                <a:solidFill>
+                  <a:srgbClr val="000000"/>
+                </a:solidFill>
+              </a:rPr>
+              <a:t>Vorteile: </a:t>
             </a:r>
-            <a:endParaRPr>
+            <a:endParaRPr b="1" sz="1400">
               <a:solidFill>
                 <a:srgbClr val="000000"/>
               </a:solidFill>
             </a:endParaRPr>
           </a:p>
           <a:p>
-            <a:pPr indent="-311150" lvl="0" marL="457200" rtl="0" algn="l">
-              <a:spcBef>
-                <a:spcPts val="1600"/>
+            <a:pPr indent="-317500" lvl="1" marL="914400" rtl="0" algn="l">
+              <a:spcBef>
+                <a:spcPts val="0"/>
               </a:spcBef>
               <a:spcAft>
                 <a:spcPts val="0"/>
@@ -8157,25 +8147,25 @@
               <a:buClr>
                 <a:srgbClr val="000000"/>
               </a:buClr>
-              <a:buSzPts val="1300"/>
-              <a:buChar char="➔"/>
+              <a:buSzPts val="1400"/>
+              <a:buChar char="◆"/>
             </a:pPr>
             <a:r>
-              <a:rPr b="1" lang="de">
+              <a:rPr lang="de" sz="1400">
                 <a:solidFill>
                   <a:srgbClr val="000000"/>
                 </a:solidFill>
               </a:rPr>
-              <a:t>Vorteile: </a:t>
+              <a:t>Unabhängigkeit von der Erzeugung eines Objektes</a:t>
             </a:r>
-            <a:endParaRPr b="1">
+            <a:endParaRPr sz="1400">
               <a:solidFill>
                 <a:srgbClr val="000000"/>
               </a:solidFill>
             </a:endParaRPr>
           </a:p>
           <a:p>
-            <a:pPr indent="-298450" lvl="1" marL="914400" rtl="0" algn="l">
+            <a:pPr indent="-317500" lvl="1" marL="914400" rtl="0" algn="l">
               <a:spcBef>
                 <a:spcPts val="0"/>
               </a:spcBef>
@@ -8185,25 +8175,33 @@
               <a:buClr>
                 <a:srgbClr val="000000"/>
               </a:buClr>
-              <a:buSzPts val="1100"/>
+              <a:buSzPts val="1400"/>
               <a:buChar char="◆"/>
             </a:pPr>
             <a:r>
-              <a:rPr lang="de">
+              <a:rPr b="1" lang="de" sz="1400">
                 <a:solidFill>
                   <a:srgbClr val="000000"/>
                 </a:solidFill>
               </a:rPr>
-              <a:t>Unabhängigkeit von der Erzeugung eines Objektes</a:t>
+              <a:t>zur Laufzeit</a:t>
             </a:r>
-            <a:endParaRPr>
+            <a:r>
+              <a:rPr lang="de" sz="1400">
+                <a:solidFill>
+                  <a:srgbClr val="000000"/>
+                </a:solidFill>
+              </a:rPr>
+              <a:t> können beliebige Instanzen von Subklassen erzeugt werden</a:t>
+            </a:r>
+            <a:endParaRPr sz="1400">
               <a:solidFill>
                 <a:srgbClr val="000000"/>
               </a:solidFill>
             </a:endParaRPr>
           </a:p>
           <a:p>
-            <a:pPr indent="-298450" lvl="1" marL="914400" rtl="0" algn="l">
+            <a:pPr indent="-317500" lvl="0" marL="457200" rtl="0" algn="l">
               <a:spcBef>
                 <a:spcPts val="0"/>
               </a:spcBef>
@@ -8213,18 +8211,98 @@
               <a:buClr>
                 <a:srgbClr val="000000"/>
               </a:buClr>
-              <a:buSzPts val="1100"/>
+              <a:buSzPts val="1400"/>
+              <a:buChar char="➔"/>
+            </a:pPr>
+            <a:r>
+              <a:rPr b="1" lang="de" sz="1400">
+                <a:solidFill>
+                  <a:srgbClr val="000000"/>
+                </a:solidFill>
+              </a:rPr>
+              <a:t>Nachteile</a:t>
+            </a:r>
+            <a:r>
+              <a:rPr b="1" lang="de" sz="1400">
+                <a:solidFill>
+                  <a:srgbClr val="000000"/>
+                </a:solidFill>
+              </a:rPr>
+              <a:t>: </a:t>
+            </a:r>
+            <a:endParaRPr b="1" sz="1400">
+              <a:solidFill>
+                <a:srgbClr val="000000"/>
+              </a:solidFill>
+            </a:endParaRPr>
+          </a:p>
+          <a:p>
+            <a:pPr indent="-317500" lvl="1" marL="914400" rtl="0" algn="l">
+              <a:spcBef>
+                <a:spcPts val="0"/>
+              </a:spcBef>
+              <a:spcAft>
+                <a:spcPts val="0"/>
+              </a:spcAft>
+              <a:buClr>
+                <a:srgbClr val="000000"/>
+              </a:buClr>
+              <a:buSzPts val="1400"/>
               <a:buChar char="◆"/>
             </a:pPr>
             <a:r>
-              <a:rPr lang="de">
+              <a:rPr lang="de" sz="1400">
                 <a:solidFill>
                   <a:srgbClr val="000000"/>
                 </a:solidFill>
               </a:rPr>
-              <a:t>zur Laufzeit können beliebige Instanzen von Subklassen erzeugt werden</a:t>
+              <a:t>versteckt konkrete Produktklassen vom Client</a:t>
             </a:r>
-            <a:endParaRPr>
+            <a:endParaRPr sz="1400">
+              <a:solidFill>
+                <a:srgbClr val="000000"/>
+              </a:solidFill>
+            </a:endParaRPr>
+          </a:p>
+          <a:p>
+            <a:pPr indent="-317500" lvl="1" marL="914400" rtl="0" algn="l">
+              <a:spcBef>
+                <a:spcPts val="0"/>
+              </a:spcBef>
+              <a:spcAft>
+                <a:spcPts val="0"/>
+              </a:spcAft>
+              <a:buClr>
+                <a:srgbClr val="000000"/>
+              </a:buClr>
+              <a:buSzPts val="1400"/>
+              <a:buChar char="◆"/>
+            </a:pPr>
+            <a:r>
+              <a:rPr lang="de" sz="1400">
+                <a:solidFill>
+                  <a:srgbClr val="000000"/>
+                </a:solidFill>
+              </a:rPr>
+              <a:t>je nach Klasse schwierig die </a:t>
+            </a:r>
+            <a:r>
+              <a:rPr b="1" lang="de" sz="1400">
+                <a:solidFill>
+                  <a:srgbClr val="000000"/>
+                </a:solidFill>
+              </a:rPr>
+              <a:t>clone()</a:t>
+            </a:r>
+            <a:r>
+              <a:rPr lang="de" sz="1400">
+                <a:solidFill>
+                  <a:srgbClr val="000000"/>
+                </a:solidFill>
+              </a:rPr>
+              <a:t> Funktion zu implementieren</a:t>
+            </a:r>
+            <a:endParaRPr sz="1400">
               <a:solidFill>
                 <a:srgbClr val="000000"/>
               </a:solidFill>
